--- a/Welcome to Stars.pptx
+++ b/Welcome to Stars.pptx
@@ -5,17 +5,18 @@
     <p:sldMasterId id="2147483660" r:id="rId1"/>
   </p:sldMasterIdLst>
   <p:notesMasterIdLst>
-    <p:notesMasterId r:id="rId10"/>
+    <p:notesMasterId r:id="rId11"/>
   </p:notesMasterIdLst>
   <p:sldIdLst>
     <p:sldId id="256" r:id="rId2"/>
     <p:sldId id="277" r:id="rId3"/>
     <p:sldId id="278" r:id="rId4"/>
     <p:sldId id="280" r:id="rId5"/>
-    <p:sldId id="271" r:id="rId6"/>
-    <p:sldId id="276" r:id="rId7"/>
-    <p:sldId id="279" r:id="rId8"/>
-    <p:sldId id="263" r:id="rId9"/>
+    <p:sldId id="281" r:id="rId6"/>
+    <p:sldId id="271" r:id="rId7"/>
+    <p:sldId id="276" r:id="rId8"/>
+    <p:sldId id="279" r:id="rId9"/>
+    <p:sldId id="263" r:id="rId10"/>
   </p:sldIdLst>
   <p:sldSz cx="12192000" cy="6858000"/>
   <p:notesSz cx="6858000" cy="9144000"/>
@@ -123,6 +124,7 @@
             <p14:sldId id="277"/>
             <p14:sldId id="278"/>
             <p14:sldId id="280"/>
+            <p14:sldId id="281"/>
           </p14:sldIdLst>
         </p14:section>
         <p14:section name="Design, Annotate, Work Together, Tell Me" id="{B9B51309-D148-4332-87C2-07BE32FBCA3B}">
@@ -679,7 +681,7 @@
           <a:p>
             <a:fld id="{DF61EA0F-A667-4B49-8422-0062BC55E249}" type="slidenum">
               <a:rPr lang="en-US" smtClean="0"/>
-              <a:t>8</a:t>
+              <a:t>9</a:t>
             </a:fld>
             <a:endParaRPr lang="en-US" dirty="0"/>
           </a:p>
@@ -2993,6 +2995,383 @@
       </p:grpSpPr>
       <p:sp>
         <p:nvSpPr>
+          <p:cNvPr id="2" name="Text Placeholder 1"/>
+          <p:cNvSpPr>
+            <a:spLocks noGrp="1"/>
+          </p:cNvSpPr>
+          <p:nvPr>
+            <p:ph type="body" idx="1"/>
+          </p:nvPr>
+        </p:nvSpPr>
+        <p:spPr/>
+        <p:txBody>
+          <a:bodyPr/>
+          <a:lstStyle/>
+          <a:p>
+            <a:r>
+              <a:rPr lang="en-US" dirty="0"/>
+              <a:t>Check out our IMDb Schema</a:t>
+            </a:r>
+          </a:p>
+        </p:txBody>
+      </p:sp>
+      <p:sp>
+        <p:nvSpPr>
+          <p:cNvPr id="3" name="Content Placeholder 2"/>
+          <p:cNvSpPr>
+            <a:spLocks noGrp="1"/>
+          </p:cNvSpPr>
+          <p:nvPr>
+            <p:ph sz="half" idx="2"/>
+          </p:nvPr>
+        </p:nvSpPr>
+        <p:spPr>
+          <a:xfrm>
+            <a:off x="5917473" y="1531218"/>
+            <a:ext cx="5290457" cy="4443697"/>
+          </a:xfrm>
+        </p:spPr>
+        <p:txBody>
+          <a:bodyPr>
+            <a:normAutofit/>
+          </a:bodyPr>
+          <a:lstStyle/>
+          <a:p>
+            <a:pPr marL="0" indent="0" fontAlgn="base">
+              <a:buNone/>
+            </a:pPr>
+            <a:endParaRPr lang="en-US" sz="1800" dirty="0"/>
+          </a:p>
+          <a:p>
+            <a:pPr fontAlgn="base"/>
+            <a:endParaRPr lang="en-US" sz="1800" dirty="0"/>
+          </a:p>
+        </p:txBody>
+      </p:sp>
+      <p:pic>
+        <p:nvPicPr>
+          <p:cNvPr id="4" name="Picture 3">
+            <a:extLst>
+              <a:ext uri="{FF2B5EF4-FFF2-40B4-BE49-F238E27FC236}">
+                <a16:creationId xmlns:a16="http://schemas.microsoft.com/office/drawing/2014/main" id="{E15C7C6C-BABE-416A-8A9E-B0FC2D8E5090}"/>
+              </a:ext>
+            </a:extLst>
+          </p:cNvPr>
+          <p:cNvPicPr>
+            <a:picLocks noChangeAspect="1"/>
+          </p:cNvPicPr>
+          <p:nvPr/>
+        </p:nvPicPr>
+        <p:blipFill>
+          <a:blip r:embed="rId2"/>
+          <a:stretch>
+            <a:fillRect/>
+          </a:stretch>
+        </p:blipFill>
+        <p:spPr>
+          <a:xfrm>
+            <a:off x="3687972" y="1533909"/>
+            <a:ext cx="1962150" cy="1524000"/>
+          </a:xfrm>
+          <a:prstGeom prst="rect">
+            <a:avLst/>
+          </a:prstGeom>
+        </p:spPr>
+      </p:pic>
+      <p:sp>
+        <p:nvSpPr>
+          <p:cNvPr id="6" name="Content Placeholder 2">
+            <a:extLst>
+              <a:ext uri="{FF2B5EF4-FFF2-40B4-BE49-F238E27FC236}">
+                <a16:creationId xmlns:a16="http://schemas.microsoft.com/office/drawing/2014/main" id="{B8792C34-071F-4757-900D-941720287DBB}"/>
+              </a:ext>
+            </a:extLst>
+          </p:cNvPr>
+          <p:cNvSpPr txBox="1">
+            <a:spLocks/>
+          </p:cNvSpPr>
+          <p:nvPr/>
+        </p:nvSpPr>
+        <p:spPr>
+          <a:xfrm>
+            <a:off x="625353" y="1531218"/>
+            <a:ext cx="2543360" cy="994699"/>
+          </a:xfrm>
+          <a:prstGeom prst="rect">
+            <a:avLst/>
+          </a:prstGeom>
+        </p:spPr>
+        <p:txBody>
+          <a:bodyPr vert="horz" lIns="91440" tIns="45720" rIns="91440" bIns="45720" rtlCol="0">
+            <a:normAutofit/>
+          </a:bodyPr>
+          <a:lstStyle>
+            <a:lvl1pPr marL="228600" indent="-228600" algn="l" defTabSz="914400" rtl="0" eaLnBrk="1" latinLnBrk="0" hangingPunct="1">
+              <a:lnSpc>
+                <a:spcPts val="1800"/>
+              </a:lnSpc>
+              <a:spcBef>
+                <a:spcPts val="1000"/>
+              </a:spcBef>
+              <a:spcAft>
+                <a:spcPts val="1000"/>
+              </a:spcAft>
+              <a:buFont typeface="Arial" panose="020B0604020202020204" pitchFamily="34" charset="0"/>
+              <a:buChar char="•"/>
+              <a:defRPr lang="en-US" sz="1200" kern="1200" smtClean="0">
+                <a:solidFill>
+                  <a:schemeClr val="tx1">
+                    <a:lumMod val="75000"/>
+                    <a:lumOff val="25000"/>
+                  </a:schemeClr>
+                </a:solidFill>
+                <a:latin typeface="+mn-lt"/>
+                <a:ea typeface="+mn-ea"/>
+                <a:cs typeface="+mn-cs"/>
+              </a:defRPr>
+            </a:lvl1pPr>
+            <a:lvl2pPr marL="685800" indent="-228600" algn="l" defTabSz="914400" rtl="0" eaLnBrk="1" latinLnBrk="0" hangingPunct="1">
+              <a:lnSpc>
+                <a:spcPts val="1800"/>
+              </a:lnSpc>
+              <a:spcBef>
+                <a:spcPts val="1000"/>
+              </a:spcBef>
+              <a:spcAft>
+                <a:spcPts val="1000"/>
+              </a:spcAft>
+              <a:buFont typeface="Arial" panose="020B0604020202020204" pitchFamily="34" charset="0"/>
+              <a:buChar char="•"/>
+              <a:defRPr lang="en-US" sz="1200" kern="1200" smtClean="0">
+                <a:solidFill>
+                  <a:schemeClr val="tx1">
+                    <a:lumMod val="75000"/>
+                    <a:lumOff val="25000"/>
+                  </a:schemeClr>
+                </a:solidFill>
+                <a:latin typeface="+mn-lt"/>
+                <a:ea typeface="+mn-ea"/>
+                <a:cs typeface="+mn-cs"/>
+              </a:defRPr>
+            </a:lvl2pPr>
+            <a:lvl3pPr marL="1143000" indent="-228600" algn="l" defTabSz="914400" rtl="0" eaLnBrk="1" latinLnBrk="0" hangingPunct="1">
+              <a:lnSpc>
+                <a:spcPts val="1800"/>
+              </a:lnSpc>
+              <a:spcBef>
+                <a:spcPts val="1000"/>
+              </a:spcBef>
+              <a:spcAft>
+                <a:spcPts val="1000"/>
+              </a:spcAft>
+              <a:buFont typeface="Arial" panose="020B0604020202020204" pitchFamily="34" charset="0"/>
+              <a:buChar char="•"/>
+              <a:defRPr lang="en-US" sz="1200" kern="1200" smtClean="0">
+                <a:solidFill>
+                  <a:schemeClr val="tx1">
+                    <a:lumMod val="75000"/>
+                    <a:lumOff val="25000"/>
+                  </a:schemeClr>
+                </a:solidFill>
+                <a:latin typeface="+mn-lt"/>
+                <a:ea typeface="+mn-ea"/>
+                <a:cs typeface="+mn-cs"/>
+              </a:defRPr>
+            </a:lvl3pPr>
+            <a:lvl4pPr marL="1600200" indent="-228600" algn="l" defTabSz="914400" rtl="0" eaLnBrk="1" latinLnBrk="0" hangingPunct="1">
+              <a:lnSpc>
+                <a:spcPts val="1800"/>
+              </a:lnSpc>
+              <a:spcBef>
+                <a:spcPts val="1000"/>
+              </a:spcBef>
+              <a:spcAft>
+                <a:spcPts val="1000"/>
+              </a:spcAft>
+              <a:buFont typeface="Arial" panose="020B0604020202020204" pitchFamily="34" charset="0"/>
+              <a:buChar char="•"/>
+              <a:defRPr lang="en-US" sz="1200" kern="1200" smtClean="0">
+                <a:solidFill>
+                  <a:schemeClr val="tx1">
+                    <a:lumMod val="75000"/>
+                    <a:lumOff val="25000"/>
+                  </a:schemeClr>
+                </a:solidFill>
+                <a:latin typeface="+mn-lt"/>
+                <a:ea typeface="+mn-ea"/>
+                <a:cs typeface="+mn-cs"/>
+              </a:defRPr>
+            </a:lvl4pPr>
+            <a:lvl5pPr marL="2057400" indent="-228600" algn="l" defTabSz="914400" rtl="0" eaLnBrk="1" latinLnBrk="0" hangingPunct="1">
+              <a:lnSpc>
+                <a:spcPts val="1800"/>
+              </a:lnSpc>
+              <a:spcBef>
+                <a:spcPts val="1000"/>
+              </a:spcBef>
+              <a:spcAft>
+                <a:spcPts val="1000"/>
+              </a:spcAft>
+              <a:buFont typeface="Arial" panose="020B0604020202020204" pitchFamily="34" charset="0"/>
+              <a:buChar char="•"/>
+              <a:defRPr lang="en-US" sz="1200" kern="1200">
+                <a:solidFill>
+                  <a:schemeClr val="tx1">
+                    <a:lumMod val="75000"/>
+                    <a:lumOff val="25000"/>
+                  </a:schemeClr>
+                </a:solidFill>
+                <a:latin typeface="+mn-lt"/>
+                <a:ea typeface="+mn-ea"/>
+                <a:cs typeface="+mn-cs"/>
+              </a:defRPr>
+            </a:lvl5pPr>
+            <a:lvl6pPr marL="2514600" indent="-228600" algn="l" defTabSz="914400" rtl="0" eaLnBrk="1" latinLnBrk="0" hangingPunct="1">
+              <a:lnSpc>
+                <a:spcPct val="90000"/>
+              </a:lnSpc>
+              <a:spcBef>
+                <a:spcPct val="30000"/>
+              </a:spcBef>
+              <a:buFont typeface="Arial" panose="020B0604020202020204" pitchFamily="34" charset="0"/>
+              <a:buChar char="•"/>
+              <a:defRPr sz="1800" kern="1200">
+                <a:solidFill>
+                  <a:schemeClr val="tx1"/>
+                </a:solidFill>
+                <a:latin typeface="+mn-lt"/>
+                <a:ea typeface="+mn-ea"/>
+                <a:cs typeface="+mn-cs"/>
+              </a:defRPr>
+            </a:lvl6pPr>
+            <a:lvl7pPr marL="2971800" indent="-228600" algn="l" defTabSz="914400" rtl="0" eaLnBrk="1" latinLnBrk="0" hangingPunct="1">
+              <a:lnSpc>
+                <a:spcPct val="90000"/>
+              </a:lnSpc>
+              <a:spcBef>
+                <a:spcPct val="30000"/>
+              </a:spcBef>
+              <a:buFont typeface="Arial" panose="020B0604020202020204" pitchFamily="34" charset="0"/>
+              <a:buChar char="•"/>
+              <a:defRPr sz="1800" kern="1200">
+                <a:solidFill>
+                  <a:schemeClr val="tx1"/>
+                </a:solidFill>
+                <a:latin typeface="+mn-lt"/>
+                <a:ea typeface="+mn-ea"/>
+                <a:cs typeface="+mn-cs"/>
+              </a:defRPr>
+            </a:lvl7pPr>
+            <a:lvl8pPr marL="3429000" indent="-228600" algn="l" defTabSz="914400" rtl="0" eaLnBrk="1" latinLnBrk="0" hangingPunct="1">
+              <a:lnSpc>
+                <a:spcPct val="90000"/>
+              </a:lnSpc>
+              <a:spcBef>
+                <a:spcPct val="30000"/>
+              </a:spcBef>
+              <a:buFont typeface="Arial" panose="020B0604020202020204" pitchFamily="34" charset="0"/>
+              <a:buChar char="•"/>
+              <a:defRPr sz="1800" kern="1200">
+                <a:solidFill>
+                  <a:schemeClr val="tx1"/>
+                </a:solidFill>
+                <a:latin typeface="+mn-lt"/>
+                <a:ea typeface="+mn-ea"/>
+                <a:cs typeface="+mn-cs"/>
+              </a:defRPr>
+            </a:lvl8pPr>
+            <a:lvl9pPr marL="3886200" indent="-228600" algn="l" defTabSz="914400" rtl="0" eaLnBrk="1" latinLnBrk="0" hangingPunct="1">
+              <a:lnSpc>
+                <a:spcPct val="90000"/>
+              </a:lnSpc>
+              <a:spcBef>
+                <a:spcPct val="30000"/>
+              </a:spcBef>
+              <a:buFont typeface="Arial" panose="020B0604020202020204" pitchFamily="34" charset="0"/>
+              <a:buChar char="•"/>
+              <a:defRPr sz="1800" kern="1200">
+                <a:solidFill>
+                  <a:schemeClr val="tx1"/>
+                </a:solidFill>
+                <a:latin typeface="+mn-lt"/>
+                <a:ea typeface="+mn-ea"/>
+                <a:cs typeface="+mn-cs"/>
+              </a:defRPr>
+            </a:lvl9pPr>
+          </a:lstStyle>
+          <a:p>
+            <a:pPr marL="0" indent="0" fontAlgn="base">
+              <a:buNone/>
+            </a:pPr>
+            <a:r>
+              <a:rPr lang="en-US" sz="1800" dirty="0"/>
+              <a:t>Data from our entities Actor and Movies</a:t>
+            </a:r>
+          </a:p>
+        </p:txBody>
+      </p:sp>
+      <p:pic>
+        <p:nvPicPr>
+          <p:cNvPr id="7" name="Picture 6">
+            <a:extLst>
+              <a:ext uri="{FF2B5EF4-FFF2-40B4-BE49-F238E27FC236}">
+                <a16:creationId xmlns:a16="http://schemas.microsoft.com/office/drawing/2014/main" id="{111AA082-162E-4494-958E-1537CAE31E99}"/>
+              </a:ext>
+            </a:extLst>
+          </p:cNvPr>
+          <p:cNvPicPr>
+            <a:picLocks noChangeAspect="1"/>
+          </p:cNvPicPr>
+          <p:nvPr/>
+        </p:nvPicPr>
+        <p:blipFill>
+          <a:blip r:embed="rId3"/>
+          <a:stretch>
+            <a:fillRect/>
+          </a:stretch>
+        </p:blipFill>
+        <p:spPr>
+          <a:xfrm>
+            <a:off x="5917473" y="1531218"/>
+            <a:ext cx="1809750" cy="3819525"/>
+          </a:xfrm>
+          <a:prstGeom prst="rect">
+            <a:avLst/>
+          </a:prstGeom>
+        </p:spPr>
+      </p:pic>
+    </p:spTree>
+    <p:extLst>
+      <p:ext uri="{BB962C8B-B14F-4D97-AF65-F5344CB8AC3E}">
+        <p14:creationId xmlns:p14="http://schemas.microsoft.com/office/powerpoint/2010/main" val="3925640585"/>
+      </p:ext>
+    </p:extLst>
+  </p:cSld>
+  <p:clrMapOvr>
+    <a:masterClrMapping/>
+  </p:clrMapOvr>
+</p:sld>
+</file>
+
+<file path=ppt/slides/slide6.xml><?xml version="1.0" encoding="utf-8"?>
+<p:sld xmlns:a="http://schemas.openxmlformats.org/drawingml/2006/main" xmlns:r="http://schemas.openxmlformats.org/officeDocument/2006/relationships" xmlns:p="http://schemas.openxmlformats.org/presentationml/2006/main">
+  <p:cSld>
+    <p:spTree>
+      <p:nvGrpSpPr>
+        <p:cNvPr id="1" name=""/>
+        <p:cNvGrpSpPr/>
+        <p:nvPr/>
+      </p:nvGrpSpPr>
+      <p:grpSpPr>
+        <a:xfrm>
+          <a:off x="0" y="0"/>
+          <a:ext cx="0" cy="0"/>
+          <a:chOff x="0" y="0"/>
+          <a:chExt cx="0" cy="0"/>
+        </a:xfrm>
+      </p:grpSpPr>
+      <p:sp>
+        <p:nvSpPr>
           <p:cNvPr id="7" name="Text Placeholder 6"/>
           <p:cNvSpPr>
             <a:spLocks noGrp="1"/>
@@ -4093,7 +4472,7 @@
 </p:sld>
 </file>
 
-<file path=ppt/slides/slide6.xml><?xml version="1.0" encoding="utf-8"?>
+<file path=ppt/slides/slide7.xml><?xml version="1.0" encoding="utf-8"?>
 <p:sld xmlns:a="http://schemas.openxmlformats.org/drawingml/2006/main" xmlns:r="http://schemas.openxmlformats.org/officeDocument/2006/relationships" xmlns:p="http://schemas.openxmlformats.org/presentationml/2006/main">
   <p:cSld>
     <p:spTree>
@@ -4785,7 +5164,7 @@
 </p:sld>
 </file>
 
-<file path=ppt/slides/slide7.xml><?xml version="1.0" encoding="utf-8"?>
+<file path=ppt/slides/slide8.xml><?xml version="1.0" encoding="utf-8"?>
 <p:sld xmlns:a="http://schemas.openxmlformats.org/drawingml/2006/main" xmlns:r="http://schemas.openxmlformats.org/officeDocument/2006/relationships" xmlns:p="http://schemas.openxmlformats.org/presentationml/2006/main">
   <p:cSld>
     <p:spTree>
@@ -4843,7 +5222,7 @@
           <a:p>
             <a:r>
               <a:rPr lang="en-US" sz="1800" dirty="0"/>
-              <a:t>For future exploration we would to see correlation between IMDb ratings and Box office revenues</a:t>
+              <a:t>For future exploration we would like to see correlation between IMDb ratings and Box office revenues</a:t>
             </a:r>
           </a:p>
         </p:txBody>
@@ -4861,7 +5240,7 @@
 </p:sld>
 </file>
 
-<file path=ppt/slides/slide8.xml><?xml version="1.0" encoding="utf-8"?>
+<file path=ppt/slides/slide9.xml><?xml version="1.0" encoding="utf-8"?>
 <p:sld xmlns:a="http://schemas.openxmlformats.org/drawingml/2006/main" xmlns:r="http://schemas.openxmlformats.org/officeDocument/2006/relationships" xmlns:p="http://schemas.openxmlformats.org/presentationml/2006/main">
   <p:cSld>
     <p:spTree>

--- a/Welcome to Stars.pptx
+++ b/Welcome to Stars.pptx
@@ -5,7 +5,7 @@
     <p:sldMasterId id="2147483660" r:id="rId1"/>
   </p:sldMasterIdLst>
   <p:notesMasterIdLst>
-    <p:notesMasterId r:id="rId11"/>
+    <p:notesMasterId r:id="rId12"/>
   </p:notesMasterIdLst>
   <p:sldIdLst>
     <p:sldId id="256" r:id="rId2"/>
@@ -13,10 +13,11 @@
     <p:sldId id="278" r:id="rId4"/>
     <p:sldId id="280" r:id="rId5"/>
     <p:sldId id="281" r:id="rId6"/>
-    <p:sldId id="271" r:id="rId7"/>
-    <p:sldId id="276" r:id="rId8"/>
-    <p:sldId id="279" r:id="rId9"/>
-    <p:sldId id="263" r:id="rId10"/>
+    <p:sldId id="282" r:id="rId7"/>
+    <p:sldId id="271" r:id="rId8"/>
+    <p:sldId id="276" r:id="rId9"/>
+    <p:sldId id="279" r:id="rId10"/>
+    <p:sldId id="263" r:id="rId11"/>
   </p:sldIdLst>
   <p:sldSz cx="12192000" cy="6858000"/>
   <p:notesSz cx="6858000" cy="9144000"/>
@@ -125,6 +126,7 @@
             <p14:sldId id="278"/>
             <p14:sldId id="280"/>
             <p14:sldId id="281"/>
+            <p14:sldId id="282"/>
           </p14:sldIdLst>
         </p14:section>
         <p14:section name="Design, Annotate, Work Together, Tell Me" id="{B9B51309-D148-4332-87C2-07BE32FBCA3B}">
@@ -681,7 +683,7 @@
           <a:p>
             <a:fld id="{DF61EA0F-A667-4B49-8422-0062BC55E249}" type="slidenum">
               <a:rPr lang="en-US" smtClean="0"/>
-              <a:t>9</a:t>
+              <a:t>10</a:t>
             </a:fld>
             <a:endParaRPr lang="en-US" dirty="0"/>
           </a:p>
@@ -2593,6 +2595,110 @@
 </p:sld>
 </file>
 
+<file path=ppt/slides/slide10.xml><?xml version="1.0" encoding="utf-8"?>
+<p:sld xmlns:a="http://schemas.openxmlformats.org/drawingml/2006/main" xmlns:r="http://schemas.openxmlformats.org/officeDocument/2006/relationships" xmlns:p="http://schemas.openxmlformats.org/presentationml/2006/main">
+  <p:cSld>
+    <p:spTree>
+      <p:nvGrpSpPr>
+        <p:cNvPr id="1" name=""/>
+        <p:cNvGrpSpPr/>
+        <p:nvPr/>
+      </p:nvGrpSpPr>
+      <p:grpSpPr>
+        <a:xfrm>
+          <a:off x="0" y="0"/>
+          <a:ext cx="0" cy="0"/>
+          <a:chOff x="0" y="0"/>
+          <a:chExt cx="0" cy="0"/>
+        </a:xfrm>
+      </p:grpSpPr>
+      <p:sp>
+        <p:nvSpPr>
+          <p:cNvPr id="6" name="Text Placeholder 5"/>
+          <p:cNvSpPr>
+            <a:spLocks noGrp="1"/>
+          </p:cNvSpPr>
+          <p:nvPr>
+            <p:ph type="body" idx="1"/>
+          </p:nvPr>
+        </p:nvSpPr>
+        <p:spPr>
+          <a:xfrm>
+            <a:off x="516711" y="1539506"/>
+            <a:ext cx="9108552" cy="641350"/>
+          </a:xfrm>
+        </p:spPr>
+        <p:txBody>
+          <a:bodyPr/>
+          <a:lstStyle/>
+          <a:p>
+            <a:r>
+              <a:rPr lang="en-US" dirty="0"/>
+              <a:t>More questions about our Dashboard?</a:t>
+            </a:r>
+          </a:p>
+        </p:txBody>
+      </p:sp>
+      <p:sp>
+        <p:nvSpPr>
+          <p:cNvPr id="5" name="Content Placeholder 4"/>
+          <p:cNvSpPr>
+            <a:spLocks noGrp="1"/>
+          </p:cNvSpPr>
+          <p:nvPr>
+            <p:ph sz="half" idx="2"/>
+          </p:nvPr>
+        </p:nvSpPr>
+        <p:spPr>
+          <a:xfrm>
+            <a:off x="541611" y="2778542"/>
+            <a:ext cx="9796189" cy="3304757"/>
+          </a:xfrm>
+        </p:spPr>
+        <p:txBody>
+          <a:bodyPr>
+            <a:normAutofit/>
+          </a:bodyPr>
+          <a:lstStyle/>
+          <a:p>
+            <a:pPr marL="0" indent="0">
+              <a:lnSpc>
+                <a:spcPts val="3600"/>
+              </a:lnSpc>
+              <a:buNone/>
+            </a:pPr>
+            <a:r>
+              <a:rPr lang="en-US" sz="2000" dirty="0"/>
+              <a:t>We are glad to answer</a:t>
+            </a:r>
+          </a:p>
+        </p:txBody>
+      </p:sp>
+    </p:spTree>
+    <p:extLst>
+      <p:ext uri="{BB962C8B-B14F-4D97-AF65-F5344CB8AC3E}">
+        <p14:creationId xmlns:p14="http://schemas.microsoft.com/office/powerpoint/2010/main" val="2317502127"/>
+      </p:ext>
+    </p:extLst>
+  </p:cSld>
+  <p:clrMapOvr>
+    <a:masterClrMapping/>
+  </p:clrMapOvr>
+  <mc:AlternateContent xmlns:mc="http://schemas.openxmlformats.org/markup-compatibility/2006" xmlns:p15="http://schemas.microsoft.com/office/powerpoint/2012/main">
+    <mc:Choice Requires="p15">
+      <p:transition xmlns:p14="http://schemas.microsoft.com/office/powerpoint/2010/main" spd="slow" p14:dur="2000">
+        <p15:prstTrans prst="drape"/>
+      </p:transition>
+    </mc:Choice>
+    <mc:Fallback xmlns="">
+      <p:transition spd="slow">
+        <p:fade/>
+      </p:transition>
+    </mc:Fallback>
+  </mc:AlternateContent>
+</p:sld>
+</file>
+
 <file path=ppt/slides/slide2.xml><?xml version="1.0" encoding="utf-8"?>
 <p:sld xmlns:a="http://schemas.openxmlformats.org/drawingml/2006/main" xmlns:r="http://schemas.openxmlformats.org/officeDocument/2006/relationships" xmlns:p="http://schemas.openxmlformats.org/presentationml/2006/main">
   <p:cSld>
@@ -3094,7 +3200,7 @@
         </p:nvSpPr>
         <p:spPr>
           <a:xfrm>
-            <a:off x="625353" y="1531218"/>
+            <a:off x="625353" y="1407393"/>
             <a:ext cx="2543360" cy="994699"/>
           </a:xfrm>
           <a:prstGeom prst="rect">
@@ -3354,6 +3460,214 @@
 </file>
 
 <file path=ppt/slides/slide6.xml><?xml version="1.0" encoding="utf-8"?>
+<p:sld xmlns:a="http://schemas.openxmlformats.org/drawingml/2006/main" xmlns:r="http://schemas.openxmlformats.org/officeDocument/2006/relationships" xmlns:p="http://schemas.openxmlformats.org/presentationml/2006/main">
+  <p:cSld>
+    <p:spTree>
+      <p:nvGrpSpPr>
+        <p:cNvPr id="1" name=""/>
+        <p:cNvGrpSpPr/>
+        <p:nvPr/>
+      </p:nvGrpSpPr>
+      <p:grpSpPr>
+        <a:xfrm>
+          <a:off x="0" y="0"/>
+          <a:ext cx="0" cy="0"/>
+          <a:chOff x="0" y="0"/>
+          <a:chExt cx="0" cy="0"/>
+        </a:xfrm>
+      </p:grpSpPr>
+      <p:sp>
+        <p:nvSpPr>
+          <p:cNvPr id="2" name="Text Placeholder 1">
+            <a:extLst>
+              <a:ext uri="{FF2B5EF4-FFF2-40B4-BE49-F238E27FC236}">
+                <a16:creationId xmlns:a16="http://schemas.microsoft.com/office/drawing/2014/main" id="{70F2166B-262F-48D5-B60E-3765495AF7BD}"/>
+              </a:ext>
+            </a:extLst>
+          </p:cNvPr>
+          <p:cNvSpPr>
+            <a:spLocks noGrp="1"/>
+          </p:cNvSpPr>
+          <p:nvPr>
+            <p:ph type="body" idx="1"/>
+          </p:nvPr>
+        </p:nvSpPr>
+        <p:spPr/>
+        <p:txBody>
+          <a:bodyPr/>
+          <a:lstStyle/>
+          <a:p>
+            <a:r>
+              <a:rPr lang="en-US" dirty="0"/>
+              <a:t>A few queries on Data</a:t>
+            </a:r>
+          </a:p>
+        </p:txBody>
+      </p:sp>
+      <p:pic>
+        <p:nvPicPr>
+          <p:cNvPr id="4" name="Picture 3">
+            <a:extLst>
+              <a:ext uri="{FF2B5EF4-FFF2-40B4-BE49-F238E27FC236}">
+                <a16:creationId xmlns:a16="http://schemas.microsoft.com/office/drawing/2014/main" id="{B9E5F27F-182C-48B0-A7D9-C61606EA8577}"/>
+              </a:ext>
+            </a:extLst>
+          </p:cNvPr>
+          <p:cNvPicPr>
+            <a:picLocks noChangeAspect="1"/>
+          </p:cNvPicPr>
+          <p:nvPr/>
+        </p:nvPicPr>
+        <p:blipFill>
+          <a:blip r:embed="rId2"/>
+          <a:stretch>
+            <a:fillRect/>
+          </a:stretch>
+        </p:blipFill>
+        <p:spPr>
+          <a:xfrm>
+            <a:off x="516711" y="1352550"/>
+            <a:ext cx="4257675" cy="1571625"/>
+          </a:xfrm>
+          <a:prstGeom prst="rect">
+            <a:avLst/>
+          </a:prstGeom>
+        </p:spPr>
+      </p:pic>
+      <p:pic>
+        <p:nvPicPr>
+          <p:cNvPr id="5" name="Picture 4">
+            <a:extLst>
+              <a:ext uri="{FF2B5EF4-FFF2-40B4-BE49-F238E27FC236}">
+                <a16:creationId xmlns:a16="http://schemas.microsoft.com/office/drawing/2014/main" id="{633D3D1F-71B2-428A-9A57-0679483BA8CA}"/>
+              </a:ext>
+            </a:extLst>
+          </p:cNvPr>
+          <p:cNvPicPr>
+            <a:picLocks noChangeAspect="1"/>
+          </p:cNvPicPr>
+          <p:nvPr/>
+        </p:nvPicPr>
+        <p:blipFill>
+          <a:blip r:embed="rId3"/>
+          <a:stretch>
+            <a:fillRect/>
+          </a:stretch>
+        </p:blipFill>
+        <p:spPr>
+          <a:xfrm>
+            <a:off x="1647824" y="2412206"/>
+            <a:ext cx="4448175" cy="1609725"/>
+          </a:xfrm>
+          <a:prstGeom prst="rect">
+            <a:avLst/>
+          </a:prstGeom>
+        </p:spPr>
+      </p:pic>
+      <p:pic>
+        <p:nvPicPr>
+          <p:cNvPr id="6" name="Picture 5">
+            <a:extLst>
+              <a:ext uri="{FF2B5EF4-FFF2-40B4-BE49-F238E27FC236}">
+                <a16:creationId xmlns:a16="http://schemas.microsoft.com/office/drawing/2014/main" id="{2D80069D-877A-40DC-9DCE-E26B40FD6D79}"/>
+              </a:ext>
+            </a:extLst>
+          </p:cNvPr>
+          <p:cNvPicPr>
+            <a:picLocks noChangeAspect="1"/>
+          </p:cNvPicPr>
+          <p:nvPr/>
+        </p:nvPicPr>
+        <p:blipFill>
+          <a:blip r:embed="rId4"/>
+          <a:stretch>
+            <a:fillRect/>
+          </a:stretch>
+        </p:blipFill>
+        <p:spPr>
+          <a:xfrm>
+            <a:off x="6362700" y="1413272"/>
+            <a:ext cx="2495550" cy="1571625"/>
+          </a:xfrm>
+          <a:prstGeom prst="rect">
+            <a:avLst/>
+          </a:prstGeom>
+        </p:spPr>
+      </p:pic>
+      <p:pic>
+        <p:nvPicPr>
+          <p:cNvPr id="7" name="Picture 6">
+            <a:extLst>
+              <a:ext uri="{FF2B5EF4-FFF2-40B4-BE49-F238E27FC236}">
+                <a16:creationId xmlns:a16="http://schemas.microsoft.com/office/drawing/2014/main" id="{8C60793D-03BA-41B9-96BC-F390C2E596DA}"/>
+              </a:ext>
+            </a:extLst>
+          </p:cNvPr>
+          <p:cNvPicPr>
+            <a:picLocks noChangeAspect="1"/>
+          </p:cNvPicPr>
+          <p:nvPr/>
+        </p:nvPicPr>
+        <p:blipFill>
+          <a:blip r:embed="rId5"/>
+          <a:stretch>
+            <a:fillRect/>
+          </a:stretch>
+        </p:blipFill>
+        <p:spPr>
+          <a:xfrm>
+            <a:off x="2630060" y="3207543"/>
+            <a:ext cx="4095750" cy="1628775"/>
+          </a:xfrm>
+          <a:prstGeom prst="rect">
+            <a:avLst/>
+          </a:prstGeom>
+        </p:spPr>
+      </p:pic>
+      <p:pic>
+        <p:nvPicPr>
+          <p:cNvPr id="8" name="Picture 7">
+            <a:extLst>
+              <a:ext uri="{FF2B5EF4-FFF2-40B4-BE49-F238E27FC236}">
+                <a16:creationId xmlns:a16="http://schemas.microsoft.com/office/drawing/2014/main" id="{F67B2850-299E-47D0-B755-F7A65D62008E}"/>
+              </a:ext>
+            </a:extLst>
+          </p:cNvPr>
+          <p:cNvPicPr>
+            <a:picLocks noChangeAspect="1"/>
+          </p:cNvPicPr>
+          <p:nvPr/>
+        </p:nvPicPr>
+        <p:blipFill>
+          <a:blip r:embed="rId6"/>
+          <a:stretch>
+            <a:fillRect/>
+          </a:stretch>
+        </p:blipFill>
+        <p:spPr>
+          <a:xfrm>
+            <a:off x="4329112" y="3652834"/>
+            <a:ext cx="3876675" cy="1476375"/>
+          </a:xfrm>
+          <a:prstGeom prst="rect">
+            <a:avLst/>
+          </a:prstGeom>
+        </p:spPr>
+      </p:pic>
+    </p:spTree>
+    <p:extLst>
+      <p:ext uri="{BB962C8B-B14F-4D97-AF65-F5344CB8AC3E}">
+        <p14:creationId xmlns:p14="http://schemas.microsoft.com/office/powerpoint/2010/main" val="2052556575"/>
+      </p:ext>
+    </p:extLst>
+  </p:cSld>
+  <p:clrMapOvr>
+    <a:masterClrMapping/>
+  </p:clrMapOvr>
+</p:sld>
+</file>
+
+<file path=ppt/slides/slide7.xml><?xml version="1.0" encoding="utf-8"?>
 <p:sld xmlns:a="http://schemas.openxmlformats.org/drawingml/2006/main" xmlns:r="http://schemas.openxmlformats.org/officeDocument/2006/relationships" xmlns:p="http://schemas.openxmlformats.org/presentationml/2006/main">
   <p:cSld>
     <p:spTree>
@@ -4413,8 +4727,8 @@
         </p:blipFill>
         <p:spPr>
           <a:xfrm>
-            <a:off x="5723413" y="1397726"/>
-            <a:ext cx="5838221" cy="2638697"/>
+            <a:off x="4728755" y="1397726"/>
+            <a:ext cx="6832880" cy="2638697"/>
           </a:xfrm>
           <a:prstGeom prst="rect">
             <a:avLst/>
@@ -4443,8 +4757,8 @@
         </p:blipFill>
         <p:spPr>
           <a:xfrm>
-            <a:off x="5723413" y="4036423"/>
-            <a:ext cx="5838221" cy="2638697"/>
+            <a:off x="4728755" y="4036423"/>
+            <a:ext cx="6832879" cy="2638697"/>
           </a:xfrm>
           <a:prstGeom prst="rect">
             <a:avLst/>
@@ -4472,7 +4786,7 @@
 </p:sld>
 </file>
 
-<file path=ppt/slides/slide7.xml><?xml version="1.0" encoding="utf-8"?>
+<file path=ppt/slides/slide8.xml><?xml version="1.0" encoding="utf-8"?>
 <p:sld xmlns:a="http://schemas.openxmlformats.org/drawingml/2006/main" xmlns:r="http://schemas.openxmlformats.org/officeDocument/2006/relationships" xmlns:p="http://schemas.openxmlformats.org/presentationml/2006/main">
   <p:cSld>
     <p:spTree>
@@ -5164,7 +5478,7 @@
 </p:sld>
 </file>
 
-<file path=ppt/slides/slide8.xml><?xml version="1.0" encoding="utf-8"?>
+<file path=ppt/slides/slide9.xml><?xml version="1.0" encoding="utf-8"?>
 <p:sld xmlns:a="http://schemas.openxmlformats.org/drawingml/2006/main" xmlns:r="http://schemas.openxmlformats.org/officeDocument/2006/relationships" xmlns:p="http://schemas.openxmlformats.org/presentationml/2006/main">
   <p:cSld>
     <p:spTree>
@@ -5237,110 +5551,6 @@
   <p:clrMapOvr>
     <a:masterClrMapping/>
   </p:clrMapOvr>
-</p:sld>
-</file>
-
-<file path=ppt/slides/slide9.xml><?xml version="1.0" encoding="utf-8"?>
-<p:sld xmlns:a="http://schemas.openxmlformats.org/drawingml/2006/main" xmlns:r="http://schemas.openxmlformats.org/officeDocument/2006/relationships" xmlns:p="http://schemas.openxmlformats.org/presentationml/2006/main">
-  <p:cSld>
-    <p:spTree>
-      <p:nvGrpSpPr>
-        <p:cNvPr id="1" name=""/>
-        <p:cNvGrpSpPr/>
-        <p:nvPr/>
-      </p:nvGrpSpPr>
-      <p:grpSpPr>
-        <a:xfrm>
-          <a:off x="0" y="0"/>
-          <a:ext cx="0" cy="0"/>
-          <a:chOff x="0" y="0"/>
-          <a:chExt cx="0" cy="0"/>
-        </a:xfrm>
-      </p:grpSpPr>
-      <p:sp>
-        <p:nvSpPr>
-          <p:cNvPr id="6" name="Text Placeholder 5"/>
-          <p:cNvSpPr>
-            <a:spLocks noGrp="1"/>
-          </p:cNvSpPr>
-          <p:nvPr>
-            <p:ph type="body" idx="1"/>
-          </p:nvPr>
-        </p:nvSpPr>
-        <p:spPr>
-          <a:xfrm>
-            <a:off x="516711" y="1539506"/>
-            <a:ext cx="9108552" cy="641350"/>
-          </a:xfrm>
-        </p:spPr>
-        <p:txBody>
-          <a:bodyPr/>
-          <a:lstStyle/>
-          <a:p>
-            <a:r>
-              <a:rPr lang="en-US" dirty="0"/>
-              <a:t>More questions about our Dashboard?</a:t>
-            </a:r>
-          </a:p>
-        </p:txBody>
-      </p:sp>
-      <p:sp>
-        <p:nvSpPr>
-          <p:cNvPr id="5" name="Content Placeholder 4"/>
-          <p:cNvSpPr>
-            <a:spLocks noGrp="1"/>
-          </p:cNvSpPr>
-          <p:nvPr>
-            <p:ph sz="half" idx="2"/>
-          </p:nvPr>
-        </p:nvSpPr>
-        <p:spPr>
-          <a:xfrm>
-            <a:off x="541611" y="2778542"/>
-            <a:ext cx="9796189" cy="3304757"/>
-          </a:xfrm>
-        </p:spPr>
-        <p:txBody>
-          <a:bodyPr>
-            <a:normAutofit/>
-          </a:bodyPr>
-          <a:lstStyle/>
-          <a:p>
-            <a:pPr marL="0" indent="0">
-              <a:lnSpc>
-                <a:spcPts val="3600"/>
-              </a:lnSpc>
-              <a:buNone/>
-            </a:pPr>
-            <a:r>
-              <a:rPr lang="en-US" sz="2000" dirty="0"/>
-              <a:t>We are glad to answer</a:t>
-            </a:r>
-          </a:p>
-        </p:txBody>
-      </p:sp>
-    </p:spTree>
-    <p:extLst>
-      <p:ext uri="{BB962C8B-B14F-4D97-AF65-F5344CB8AC3E}">
-        <p14:creationId xmlns:p14="http://schemas.microsoft.com/office/powerpoint/2010/main" val="2317502127"/>
-      </p:ext>
-    </p:extLst>
-  </p:cSld>
-  <p:clrMapOvr>
-    <a:masterClrMapping/>
-  </p:clrMapOvr>
-  <mc:AlternateContent xmlns:mc="http://schemas.openxmlformats.org/markup-compatibility/2006" xmlns:p15="http://schemas.microsoft.com/office/powerpoint/2012/main">
-    <mc:Choice Requires="p15">
-      <p:transition xmlns:p14="http://schemas.microsoft.com/office/powerpoint/2010/main" spd="slow" p14:dur="2000">
-        <p15:prstTrans prst="drape"/>
-      </p:transition>
-    </mc:Choice>
-    <mc:Fallback xmlns="">
-      <p:transition spd="slow">
-        <p:fade/>
-      </p:transition>
-    </mc:Fallback>
-  </mc:AlternateContent>
 </p:sld>
 </file>
 
